--- a/20220513.pptx
+++ b/20220513.pptx
@@ -7,7 +7,13 @@
   <p:sldIdLst>
     <p:sldId id="256" r:id="rId2"/>
     <p:sldId id="257" r:id="rId3"/>
-    <p:sldId id="258" r:id="rId4"/>
+    <p:sldId id="262" r:id="rId4"/>
+    <p:sldId id="258" r:id="rId5"/>
+    <p:sldId id="259" r:id="rId6"/>
+    <p:sldId id="260" r:id="rId7"/>
+    <p:sldId id="261" r:id="rId8"/>
+    <p:sldId id="263" r:id="rId9"/>
+    <p:sldId id="264" r:id="rId10"/>
   </p:sldIdLst>
   <p:sldSz cx="12192000" cy="6858000"/>
   <p:notesSz cx="6858000" cy="9144000"/>
@@ -106,6 +112,11 @@
       </a:defRPr>
     </a:lvl9pPr>
   </p:defaultTextStyle>
+  <p:extLst>
+    <p:ext uri="{EFAFB233-063F-42B5-8137-9DF3F51BA10A}">
+      <p15:sldGuideLst xmlns:p15="http://schemas.microsoft.com/office/powerpoint/2012/main"/>
+    </p:ext>
+  </p:extLst>
 </p:presentation>
 </file>
 
@@ -3481,8 +3492,38 @@
         </p:blipFill>
         <p:spPr>
           <a:xfrm>
-            <a:off x="869840" y="2493175"/>
-            <a:ext cx="9421540" cy="1771897"/>
+            <a:off x="869840" y="2493176"/>
+            <a:ext cx="5649979" cy="1062585"/>
+          </a:xfrm>
+          <a:prstGeom prst="rect">
+            <a:avLst/>
+          </a:prstGeom>
+        </p:spPr>
+      </p:pic>
+      <p:pic>
+        <p:nvPicPr>
+          <p:cNvPr id="5" name="图片 4">
+            <a:extLst>
+              <a:ext uri="{FF2B5EF4-FFF2-40B4-BE49-F238E27FC236}">
+                <a16:creationId xmlns:a16="http://schemas.microsoft.com/office/drawing/2014/main" id="{FC30704C-4ABD-723C-376B-734912442E62}"/>
+              </a:ext>
+            </a:extLst>
+          </p:cNvPr>
+          <p:cNvPicPr>
+            <a:picLocks noChangeAspect="1"/>
+          </p:cNvPicPr>
+          <p:nvPr/>
+        </p:nvPicPr>
+        <p:blipFill>
+          <a:blip r:embed="rId3"/>
+          <a:stretch>
+            <a:fillRect/>
+          </a:stretch>
+        </p:blipFill>
+        <p:spPr>
+          <a:xfrm>
+            <a:off x="869839" y="4063914"/>
+            <a:ext cx="5649979" cy="1376346"/>
           </a:xfrm>
           <a:prstGeom prst="rect">
             <a:avLst/>
@@ -3524,7 +3565,7 @@
           <p:cNvPr id="2" name="标题 1">
             <a:extLst>
               <a:ext uri="{FF2B5EF4-FFF2-40B4-BE49-F238E27FC236}">
-                <a16:creationId xmlns:a16="http://schemas.microsoft.com/office/drawing/2014/main" id="{8DB4F2DC-D014-38C1-AE62-94B320FB1556}"/>
+                <a16:creationId xmlns:a16="http://schemas.microsoft.com/office/drawing/2014/main" id="{97C73363-3787-7234-C87A-453CD204B5CA}"/>
               </a:ext>
             </a:extLst>
           </p:cNvPr>
@@ -3549,7 +3590,7 @@
           <p:cNvPr id="3" name="内容占位符 2">
             <a:extLst>
               <a:ext uri="{FF2B5EF4-FFF2-40B4-BE49-F238E27FC236}">
-                <a16:creationId xmlns:a16="http://schemas.microsoft.com/office/drawing/2014/main" id="{A2342951-E0B8-F5F5-4407-42049FC44D43}"/>
+                <a16:creationId xmlns:a16="http://schemas.microsoft.com/office/drawing/2014/main" id="{184193E7-21A4-973A-037D-B4F0042FE345}"/>
               </a:ext>
             </a:extLst>
           </p:cNvPr>
@@ -3569,18 +3610,16 @@
               <a:rPr lang="en-US" altLang="zh-CN" dirty="0"/>
               <a:t>123</a:t>
             </a:r>
-          </a:p>
-          <a:p>
             <a:endParaRPr lang="zh-CN" altLang="en-US" dirty="0"/>
           </a:p>
         </p:txBody>
       </p:sp>
       <p:pic>
         <p:nvPicPr>
-          <p:cNvPr id="5" name="图片 4">
-            <a:extLst>
-              <a:ext uri="{FF2B5EF4-FFF2-40B4-BE49-F238E27FC236}">
-                <a16:creationId xmlns:a16="http://schemas.microsoft.com/office/drawing/2014/main" id="{0C90594D-D0D7-CCF2-8678-FA969ABDE765}"/>
+          <p:cNvPr id="4" name="图片 3">
+            <a:extLst>
+              <a:ext uri="{FF2B5EF4-FFF2-40B4-BE49-F238E27FC236}">
+                <a16:creationId xmlns:a16="http://schemas.microsoft.com/office/drawing/2014/main" id="{57ADE7F1-597E-B5D2-E9C8-50BEBB9B728A}"/>
               </a:ext>
             </a:extLst>
           </p:cNvPr>
@@ -3597,8 +3636,184 @@
         </p:blipFill>
         <p:spPr>
           <a:xfrm>
-            <a:off x="6970221" y="1690688"/>
-            <a:ext cx="4424449" cy="5063820"/>
+            <a:off x="3890355" y="3899018"/>
+            <a:ext cx="5375609" cy="2734321"/>
+          </a:xfrm>
+          <a:prstGeom prst="rect">
+            <a:avLst/>
+          </a:prstGeom>
+        </p:spPr>
+      </p:pic>
+      <p:pic>
+        <p:nvPicPr>
+          <p:cNvPr id="5" name="图片 4">
+            <a:extLst>
+              <a:ext uri="{FF2B5EF4-FFF2-40B4-BE49-F238E27FC236}">
+                <a16:creationId xmlns:a16="http://schemas.microsoft.com/office/drawing/2014/main" id="{AC3CDB36-1840-B2ED-5F42-BE0525C37E84}"/>
+              </a:ext>
+            </a:extLst>
+          </p:cNvPr>
+          <p:cNvPicPr>
+            <a:picLocks noChangeAspect="1"/>
+          </p:cNvPicPr>
+          <p:nvPr/>
+        </p:nvPicPr>
+        <p:blipFill>
+          <a:blip r:embed="rId3"/>
+          <a:stretch>
+            <a:fillRect/>
+          </a:stretch>
+        </p:blipFill>
+        <p:spPr>
+          <a:xfrm>
+            <a:off x="3890354" y="2155638"/>
+            <a:ext cx="5477261" cy="1331551"/>
+          </a:xfrm>
+          <a:prstGeom prst="rect">
+            <a:avLst/>
+          </a:prstGeom>
+        </p:spPr>
+      </p:pic>
+    </p:spTree>
+    <p:extLst>
+      <p:ext uri="{BB962C8B-B14F-4D97-AF65-F5344CB8AC3E}">
+        <p14:creationId xmlns:p14="http://schemas.microsoft.com/office/powerpoint/2010/main" val="986671375"/>
+      </p:ext>
+    </p:extLst>
+  </p:cSld>
+  <p:clrMapOvr>
+    <a:masterClrMapping/>
+  </p:clrMapOvr>
+</p:sld>
+</file>
+
+<file path=ppt/slides/slide4.xml><?xml version="1.0" encoding="utf-8"?>
+<p:sld xmlns:a="http://schemas.openxmlformats.org/drawingml/2006/main" xmlns:r="http://schemas.openxmlformats.org/officeDocument/2006/relationships" xmlns:p="http://schemas.openxmlformats.org/presentationml/2006/main">
+  <p:cSld>
+    <p:spTree>
+      <p:nvGrpSpPr>
+        <p:cNvPr id="1" name=""/>
+        <p:cNvGrpSpPr/>
+        <p:nvPr/>
+      </p:nvGrpSpPr>
+      <p:grpSpPr>
+        <a:xfrm>
+          <a:off x="0" y="0"/>
+          <a:ext cx="0" cy="0"/>
+          <a:chOff x="0" y="0"/>
+          <a:chExt cx="0" cy="0"/>
+        </a:xfrm>
+      </p:grpSpPr>
+      <p:sp>
+        <p:nvSpPr>
+          <p:cNvPr id="2" name="标题 1">
+            <a:extLst>
+              <a:ext uri="{FF2B5EF4-FFF2-40B4-BE49-F238E27FC236}">
+                <a16:creationId xmlns:a16="http://schemas.microsoft.com/office/drawing/2014/main" id="{8DB4F2DC-D014-38C1-AE62-94B320FB1556}"/>
+              </a:ext>
+            </a:extLst>
+          </p:cNvPr>
+          <p:cNvSpPr>
+            <a:spLocks noGrp="1"/>
+          </p:cNvSpPr>
+          <p:nvPr>
+            <p:ph type="title"/>
+          </p:nvPr>
+        </p:nvSpPr>
+        <p:spPr/>
+        <p:txBody>
+          <a:bodyPr/>
+          <a:lstStyle/>
+          <a:p>
+            <a:endParaRPr lang="zh-CN" altLang="en-US"/>
+          </a:p>
+        </p:txBody>
+      </p:sp>
+      <p:sp>
+        <p:nvSpPr>
+          <p:cNvPr id="3" name="内容占位符 2">
+            <a:extLst>
+              <a:ext uri="{FF2B5EF4-FFF2-40B4-BE49-F238E27FC236}">
+                <a16:creationId xmlns:a16="http://schemas.microsoft.com/office/drawing/2014/main" id="{A2342951-E0B8-F5F5-4407-42049FC44D43}"/>
+              </a:ext>
+            </a:extLst>
+          </p:cNvPr>
+          <p:cNvSpPr>
+            <a:spLocks noGrp="1"/>
+          </p:cNvSpPr>
+          <p:nvPr>
+            <p:ph idx="1"/>
+          </p:nvPr>
+        </p:nvSpPr>
+        <p:spPr/>
+        <p:txBody>
+          <a:bodyPr/>
+          <a:lstStyle/>
+          <a:p>
+            <a:r>
+              <a:rPr lang="en-US" altLang="zh-CN" dirty="0"/>
+              <a:t>123</a:t>
+            </a:r>
+          </a:p>
+          <a:p>
+            <a:endParaRPr lang="zh-CN" altLang="en-US" dirty="0"/>
+          </a:p>
+        </p:txBody>
+      </p:sp>
+      <p:pic>
+        <p:nvPicPr>
+          <p:cNvPr id="5" name="图片 4">
+            <a:extLst>
+              <a:ext uri="{FF2B5EF4-FFF2-40B4-BE49-F238E27FC236}">
+                <a16:creationId xmlns:a16="http://schemas.microsoft.com/office/drawing/2014/main" id="{0C90594D-D0D7-CCF2-8678-FA969ABDE765}"/>
+              </a:ext>
+            </a:extLst>
+          </p:cNvPr>
+          <p:cNvPicPr>
+            <a:picLocks noChangeAspect="1"/>
+          </p:cNvPicPr>
+          <p:nvPr/>
+        </p:nvPicPr>
+        <p:blipFill>
+          <a:blip r:embed="rId2"/>
+          <a:stretch>
+            <a:fillRect/>
+          </a:stretch>
+        </p:blipFill>
+        <p:spPr>
+          <a:xfrm>
+            <a:off x="2032462" y="1863032"/>
+            <a:ext cx="4100252" cy="4692774"/>
+          </a:xfrm>
+          <a:prstGeom prst="rect">
+            <a:avLst/>
+          </a:prstGeom>
+        </p:spPr>
+      </p:pic>
+      <p:pic>
+        <p:nvPicPr>
+          <p:cNvPr id="8" name="图片 7">
+            <a:extLst>
+              <a:ext uri="{FF2B5EF4-FFF2-40B4-BE49-F238E27FC236}">
+                <a16:creationId xmlns:a16="http://schemas.microsoft.com/office/drawing/2014/main" id="{1854EA1B-C410-A20C-AACE-E27819E1CC10}"/>
+              </a:ext>
+            </a:extLst>
+          </p:cNvPr>
+          <p:cNvPicPr>
+            <a:picLocks noChangeAspect="1"/>
+          </p:cNvPicPr>
+          <p:nvPr/>
+        </p:nvPicPr>
+        <p:blipFill>
+          <a:blip r:embed="rId3"/>
+          <a:stretch>
+            <a:fillRect/>
+          </a:stretch>
+        </p:blipFill>
+        <p:spPr>
+          <a:xfrm>
+            <a:off x="6221140" y="1863032"/>
+            <a:ext cx="5862794" cy="3134731"/>
           </a:xfrm>
           <a:prstGeom prst="rect">
             <a:avLst/>
@@ -3609,6 +3824,667 @@
     <p:extLst>
       <p:ext uri="{BB962C8B-B14F-4D97-AF65-F5344CB8AC3E}">
         <p14:creationId xmlns:p14="http://schemas.microsoft.com/office/powerpoint/2010/main" val="1310923857"/>
+      </p:ext>
+    </p:extLst>
+  </p:cSld>
+  <p:clrMapOvr>
+    <a:masterClrMapping/>
+  </p:clrMapOvr>
+</p:sld>
+</file>
+
+<file path=ppt/slides/slide5.xml><?xml version="1.0" encoding="utf-8"?>
+<p:sld xmlns:a="http://schemas.openxmlformats.org/drawingml/2006/main" xmlns:r="http://schemas.openxmlformats.org/officeDocument/2006/relationships" xmlns:p="http://schemas.openxmlformats.org/presentationml/2006/main">
+  <p:cSld>
+    <p:spTree>
+      <p:nvGrpSpPr>
+        <p:cNvPr id="1" name=""/>
+        <p:cNvGrpSpPr/>
+        <p:nvPr/>
+      </p:nvGrpSpPr>
+      <p:grpSpPr>
+        <a:xfrm>
+          <a:off x="0" y="0"/>
+          <a:ext cx="0" cy="0"/>
+          <a:chOff x="0" y="0"/>
+          <a:chExt cx="0" cy="0"/>
+        </a:xfrm>
+      </p:grpSpPr>
+      <p:sp>
+        <p:nvSpPr>
+          <p:cNvPr id="2" name="标题 1">
+            <a:extLst>
+              <a:ext uri="{FF2B5EF4-FFF2-40B4-BE49-F238E27FC236}">
+                <a16:creationId xmlns:a16="http://schemas.microsoft.com/office/drawing/2014/main" id="{19D6343E-FC31-D8D8-D757-77D95E95746C}"/>
+              </a:ext>
+            </a:extLst>
+          </p:cNvPr>
+          <p:cNvSpPr>
+            <a:spLocks noGrp="1"/>
+          </p:cNvSpPr>
+          <p:nvPr>
+            <p:ph type="title"/>
+          </p:nvPr>
+        </p:nvSpPr>
+        <p:spPr/>
+        <p:txBody>
+          <a:bodyPr/>
+          <a:lstStyle/>
+          <a:p>
+            <a:endParaRPr lang="zh-CN" altLang="en-US" dirty="0"/>
+          </a:p>
+        </p:txBody>
+      </p:sp>
+      <p:pic>
+        <p:nvPicPr>
+          <p:cNvPr id="5" name="内容占位符 4">
+            <a:extLst>
+              <a:ext uri="{FF2B5EF4-FFF2-40B4-BE49-F238E27FC236}">
+                <a16:creationId xmlns:a16="http://schemas.microsoft.com/office/drawing/2014/main" id="{BDA66ACC-E41D-915A-2910-332D72C7BB72}"/>
+              </a:ext>
+            </a:extLst>
+          </p:cNvPr>
+          <p:cNvPicPr>
+            <a:picLocks noGrp="1" noChangeAspect="1"/>
+          </p:cNvPicPr>
+          <p:nvPr>
+            <p:ph idx="1"/>
+          </p:nvPr>
+        </p:nvPicPr>
+        <p:blipFill>
+          <a:blip r:embed="rId2"/>
+          <a:stretch>
+            <a:fillRect/>
+          </a:stretch>
+        </p:blipFill>
+        <p:spPr>
+          <a:xfrm>
+            <a:off x="823911" y="3379124"/>
+            <a:ext cx="8095646" cy="767128"/>
+          </a:xfrm>
+        </p:spPr>
+      </p:pic>
+      <p:pic>
+        <p:nvPicPr>
+          <p:cNvPr id="6" name="内容占位符 4">
+            <a:extLst>
+              <a:ext uri="{FF2B5EF4-FFF2-40B4-BE49-F238E27FC236}">
+                <a16:creationId xmlns:a16="http://schemas.microsoft.com/office/drawing/2014/main" id="{5968C7D5-A22E-8CEA-64EE-5CCFC2874D39}"/>
+              </a:ext>
+            </a:extLst>
+          </p:cNvPr>
+          <p:cNvPicPr>
+            <a:picLocks noChangeAspect="1"/>
+          </p:cNvPicPr>
+          <p:nvPr/>
+        </p:nvPicPr>
+        <p:blipFill>
+          <a:blip r:embed="rId3"/>
+          <a:stretch>
+            <a:fillRect/>
+          </a:stretch>
+        </p:blipFill>
+        <p:spPr>
+          <a:xfrm>
+            <a:off x="823910" y="4527986"/>
+            <a:ext cx="8095647" cy="1459336"/>
+          </a:xfrm>
+          <a:prstGeom prst="rect">
+            <a:avLst/>
+          </a:prstGeom>
+        </p:spPr>
+      </p:pic>
+    </p:spTree>
+    <p:extLst>
+      <p:ext uri="{BB962C8B-B14F-4D97-AF65-F5344CB8AC3E}">
+        <p14:creationId xmlns:p14="http://schemas.microsoft.com/office/powerpoint/2010/main" val="148693845"/>
+      </p:ext>
+    </p:extLst>
+  </p:cSld>
+  <p:clrMapOvr>
+    <a:masterClrMapping/>
+  </p:clrMapOvr>
+</p:sld>
+</file>
+
+<file path=ppt/slides/slide6.xml><?xml version="1.0" encoding="utf-8"?>
+<p:sld xmlns:a="http://schemas.openxmlformats.org/drawingml/2006/main" xmlns:r="http://schemas.openxmlformats.org/officeDocument/2006/relationships" xmlns:p="http://schemas.openxmlformats.org/presentationml/2006/main">
+  <p:cSld>
+    <p:spTree>
+      <p:nvGrpSpPr>
+        <p:cNvPr id="1" name=""/>
+        <p:cNvGrpSpPr/>
+        <p:nvPr/>
+      </p:nvGrpSpPr>
+      <p:grpSpPr>
+        <a:xfrm>
+          <a:off x="0" y="0"/>
+          <a:ext cx="0" cy="0"/>
+          <a:chOff x="0" y="0"/>
+          <a:chExt cx="0" cy="0"/>
+        </a:xfrm>
+      </p:grpSpPr>
+      <p:sp>
+        <p:nvSpPr>
+          <p:cNvPr id="2" name="标题 1">
+            <a:extLst>
+              <a:ext uri="{FF2B5EF4-FFF2-40B4-BE49-F238E27FC236}">
+                <a16:creationId xmlns:a16="http://schemas.microsoft.com/office/drawing/2014/main" id="{B1D68A03-4342-0F9D-7818-7F32B889F6D1}"/>
+              </a:ext>
+            </a:extLst>
+          </p:cNvPr>
+          <p:cNvSpPr>
+            <a:spLocks noGrp="1"/>
+          </p:cNvSpPr>
+          <p:nvPr>
+            <p:ph type="title"/>
+          </p:nvPr>
+        </p:nvSpPr>
+        <p:spPr/>
+        <p:txBody>
+          <a:bodyPr/>
+          <a:lstStyle/>
+          <a:p>
+            <a:endParaRPr lang="zh-CN" altLang="en-US"/>
+          </a:p>
+        </p:txBody>
+      </p:sp>
+      <p:pic>
+        <p:nvPicPr>
+          <p:cNvPr id="9" name="图片 8">
+            <a:extLst>
+              <a:ext uri="{FF2B5EF4-FFF2-40B4-BE49-F238E27FC236}">
+                <a16:creationId xmlns:a16="http://schemas.microsoft.com/office/drawing/2014/main" id="{517A738E-6BCE-57E8-07C7-67A055EDC440}"/>
+              </a:ext>
+            </a:extLst>
+          </p:cNvPr>
+          <p:cNvPicPr>
+            <a:picLocks noChangeAspect="1"/>
+          </p:cNvPicPr>
+          <p:nvPr/>
+        </p:nvPicPr>
+        <p:blipFill>
+          <a:blip r:embed="rId2"/>
+          <a:stretch>
+            <a:fillRect/>
+          </a:stretch>
+        </p:blipFill>
+        <p:spPr>
+          <a:xfrm>
+            <a:off x="838201" y="2167314"/>
+            <a:ext cx="8606856" cy="1003991"/>
+          </a:xfrm>
+          <a:prstGeom prst="rect">
+            <a:avLst/>
+          </a:prstGeom>
+        </p:spPr>
+      </p:pic>
+      <p:pic>
+        <p:nvPicPr>
+          <p:cNvPr id="13" name="图片 12">
+            <a:extLst>
+              <a:ext uri="{FF2B5EF4-FFF2-40B4-BE49-F238E27FC236}">
+                <a16:creationId xmlns:a16="http://schemas.microsoft.com/office/drawing/2014/main" id="{6835472A-54CB-9814-2FAD-9E4D497E7AB2}"/>
+              </a:ext>
+            </a:extLst>
+          </p:cNvPr>
+          <p:cNvPicPr>
+            <a:picLocks noChangeAspect="1"/>
+          </p:cNvPicPr>
+          <p:nvPr/>
+        </p:nvPicPr>
+        <p:blipFill>
+          <a:blip r:embed="rId3"/>
+          <a:stretch>
+            <a:fillRect/>
+          </a:stretch>
+        </p:blipFill>
+        <p:spPr>
+          <a:xfrm>
+            <a:off x="838200" y="3365915"/>
+            <a:ext cx="4760816" cy="2714845"/>
+          </a:xfrm>
+          <a:prstGeom prst="rect">
+            <a:avLst/>
+          </a:prstGeom>
+        </p:spPr>
+      </p:pic>
+      <p:pic>
+        <p:nvPicPr>
+          <p:cNvPr id="4" name="图片 3">
+            <a:extLst>
+              <a:ext uri="{FF2B5EF4-FFF2-40B4-BE49-F238E27FC236}">
+                <a16:creationId xmlns:a16="http://schemas.microsoft.com/office/drawing/2014/main" id="{A1CF3A61-FBFD-D58A-C55F-E04B34EE405B}"/>
+              </a:ext>
+            </a:extLst>
+          </p:cNvPr>
+          <p:cNvPicPr>
+            <a:picLocks noChangeAspect="1"/>
+          </p:cNvPicPr>
+          <p:nvPr/>
+        </p:nvPicPr>
+        <p:blipFill>
+          <a:blip r:embed="rId4"/>
+          <a:stretch>
+            <a:fillRect/>
+          </a:stretch>
+        </p:blipFill>
+        <p:spPr>
+          <a:xfrm>
+            <a:off x="6421581" y="3365914"/>
+            <a:ext cx="4532333" cy="2714845"/>
+          </a:xfrm>
+          <a:prstGeom prst="rect">
+            <a:avLst/>
+          </a:prstGeom>
+        </p:spPr>
+      </p:pic>
+    </p:spTree>
+    <p:extLst>
+      <p:ext uri="{BB962C8B-B14F-4D97-AF65-F5344CB8AC3E}">
+        <p14:creationId xmlns:p14="http://schemas.microsoft.com/office/powerpoint/2010/main" val="568314441"/>
+      </p:ext>
+    </p:extLst>
+  </p:cSld>
+  <p:clrMapOvr>
+    <a:masterClrMapping/>
+  </p:clrMapOvr>
+</p:sld>
+</file>
+
+<file path=ppt/slides/slide7.xml><?xml version="1.0" encoding="utf-8"?>
+<p:sld xmlns:a="http://schemas.openxmlformats.org/drawingml/2006/main" xmlns:r="http://schemas.openxmlformats.org/officeDocument/2006/relationships" xmlns:p="http://schemas.openxmlformats.org/presentationml/2006/main">
+  <p:cSld>
+    <p:spTree>
+      <p:nvGrpSpPr>
+        <p:cNvPr id="1" name=""/>
+        <p:cNvGrpSpPr/>
+        <p:nvPr/>
+      </p:nvGrpSpPr>
+      <p:grpSpPr>
+        <a:xfrm>
+          <a:off x="0" y="0"/>
+          <a:ext cx="0" cy="0"/>
+          <a:chOff x="0" y="0"/>
+          <a:chExt cx="0" cy="0"/>
+        </a:xfrm>
+      </p:grpSpPr>
+      <p:sp>
+        <p:nvSpPr>
+          <p:cNvPr id="2" name="标题 1">
+            <a:extLst>
+              <a:ext uri="{FF2B5EF4-FFF2-40B4-BE49-F238E27FC236}">
+                <a16:creationId xmlns:a16="http://schemas.microsoft.com/office/drawing/2014/main" id="{87B6722C-59CB-0DFD-9328-A918C243E799}"/>
+              </a:ext>
+            </a:extLst>
+          </p:cNvPr>
+          <p:cNvSpPr>
+            <a:spLocks noGrp="1"/>
+          </p:cNvSpPr>
+          <p:nvPr>
+            <p:ph type="title"/>
+          </p:nvPr>
+        </p:nvSpPr>
+        <p:spPr/>
+        <p:txBody>
+          <a:bodyPr/>
+          <a:lstStyle/>
+          <a:p>
+            <a:endParaRPr lang="zh-CN" altLang="en-US"/>
+          </a:p>
+        </p:txBody>
+      </p:sp>
+      <p:sp>
+        <p:nvSpPr>
+          <p:cNvPr id="3" name="内容占位符 2">
+            <a:extLst>
+              <a:ext uri="{FF2B5EF4-FFF2-40B4-BE49-F238E27FC236}">
+                <a16:creationId xmlns:a16="http://schemas.microsoft.com/office/drawing/2014/main" id="{1374EB5A-C662-F919-3A15-99F22B2C8BBB}"/>
+              </a:ext>
+            </a:extLst>
+          </p:cNvPr>
+          <p:cNvSpPr>
+            <a:spLocks noGrp="1"/>
+          </p:cNvSpPr>
+          <p:nvPr>
+            <p:ph idx="1"/>
+          </p:nvPr>
+        </p:nvSpPr>
+        <p:spPr/>
+        <p:txBody>
+          <a:bodyPr/>
+          <a:lstStyle/>
+          <a:p>
+            <a:r>
+              <a:rPr lang="en-US" altLang="zh-CN" dirty="0"/>
+              <a:t>123</a:t>
+            </a:r>
+            <a:endParaRPr lang="zh-CN" altLang="en-US" dirty="0"/>
+          </a:p>
+        </p:txBody>
+      </p:sp>
+      <p:pic>
+        <p:nvPicPr>
+          <p:cNvPr id="7" name="图片 6">
+            <a:extLst>
+              <a:ext uri="{FF2B5EF4-FFF2-40B4-BE49-F238E27FC236}">
+                <a16:creationId xmlns:a16="http://schemas.microsoft.com/office/drawing/2014/main" id="{C037F0BC-659F-F4B6-0B51-89AF7C224ABB}"/>
+              </a:ext>
+            </a:extLst>
+          </p:cNvPr>
+          <p:cNvPicPr>
+            <a:picLocks noChangeAspect="1"/>
+          </p:cNvPicPr>
+          <p:nvPr/>
+        </p:nvPicPr>
+        <p:blipFill>
+          <a:blip r:embed="rId2"/>
+          <a:stretch>
+            <a:fillRect/>
+          </a:stretch>
+        </p:blipFill>
+        <p:spPr>
+          <a:xfrm>
+            <a:off x="911405" y="2722035"/>
+            <a:ext cx="5802394" cy="1413930"/>
+          </a:xfrm>
+          <a:prstGeom prst="rect">
+            <a:avLst/>
+          </a:prstGeom>
+        </p:spPr>
+      </p:pic>
+      <p:pic>
+        <p:nvPicPr>
+          <p:cNvPr id="9" name="图片 8">
+            <a:extLst>
+              <a:ext uri="{FF2B5EF4-FFF2-40B4-BE49-F238E27FC236}">
+                <a16:creationId xmlns:a16="http://schemas.microsoft.com/office/drawing/2014/main" id="{0CCB4C15-2091-F73A-052B-C0AFE64D2F8C}"/>
+              </a:ext>
+            </a:extLst>
+          </p:cNvPr>
+          <p:cNvPicPr>
+            <a:picLocks noChangeAspect="1"/>
+          </p:cNvPicPr>
+          <p:nvPr/>
+        </p:nvPicPr>
+        <p:blipFill>
+          <a:blip r:embed="rId3"/>
+          <a:stretch>
+            <a:fillRect/>
+          </a:stretch>
+        </p:blipFill>
+        <p:spPr>
+          <a:xfrm>
+            <a:off x="911405" y="4238866"/>
+            <a:ext cx="5773055" cy="1938097"/>
+          </a:xfrm>
+          <a:prstGeom prst="rect">
+            <a:avLst/>
+          </a:prstGeom>
+        </p:spPr>
+      </p:pic>
+    </p:spTree>
+    <p:extLst>
+      <p:ext uri="{BB962C8B-B14F-4D97-AF65-F5344CB8AC3E}">
+        <p14:creationId xmlns:p14="http://schemas.microsoft.com/office/powerpoint/2010/main" val="965344490"/>
+      </p:ext>
+    </p:extLst>
+  </p:cSld>
+  <p:clrMapOvr>
+    <a:masterClrMapping/>
+  </p:clrMapOvr>
+</p:sld>
+</file>
+
+<file path=ppt/slides/slide8.xml><?xml version="1.0" encoding="utf-8"?>
+<p:sld xmlns:a="http://schemas.openxmlformats.org/drawingml/2006/main" xmlns:r="http://schemas.openxmlformats.org/officeDocument/2006/relationships" xmlns:p="http://schemas.openxmlformats.org/presentationml/2006/main">
+  <p:cSld>
+    <p:spTree>
+      <p:nvGrpSpPr>
+        <p:cNvPr id="1" name=""/>
+        <p:cNvGrpSpPr/>
+        <p:nvPr/>
+      </p:nvGrpSpPr>
+      <p:grpSpPr>
+        <a:xfrm>
+          <a:off x="0" y="0"/>
+          <a:ext cx="0" cy="0"/>
+          <a:chOff x="0" y="0"/>
+          <a:chExt cx="0" cy="0"/>
+        </a:xfrm>
+      </p:grpSpPr>
+      <p:sp>
+        <p:nvSpPr>
+          <p:cNvPr id="2" name="标题 1">
+            <a:extLst>
+              <a:ext uri="{FF2B5EF4-FFF2-40B4-BE49-F238E27FC236}">
+                <a16:creationId xmlns:a16="http://schemas.microsoft.com/office/drawing/2014/main" id="{E8176973-D160-8F03-BEDB-FC3F5ADD178B}"/>
+              </a:ext>
+            </a:extLst>
+          </p:cNvPr>
+          <p:cNvSpPr>
+            <a:spLocks noGrp="1"/>
+          </p:cNvSpPr>
+          <p:nvPr>
+            <p:ph type="title"/>
+          </p:nvPr>
+        </p:nvSpPr>
+        <p:spPr/>
+        <p:txBody>
+          <a:bodyPr/>
+          <a:lstStyle/>
+          <a:p>
+            <a:endParaRPr lang="zh-CN" altLang="en-US"/>
+          </a:p>
+        </p:txBody>
+      </p:sp>
+      <p:pic>
+        <p:nvPicPr>
+          <p:cNvPr id="5" name="内容占位符 4">
+            <a:extLst>
+              <a:ext uri="{FF2B5EF4-FFF2-40B4-BE49-F238E27FC236}">
+                <a16:creationId xmlns:a16="http://schemas.microsoft.com/office/drawing/2014/main" id="{4A3CCD5B-CFC1-CF09-BEAB-FA541DB2C719}"/>
+              </a:ext>
+            </a:extLst>
+          </p:cNvPr>
+          <p:cNvPicPr>
+            <a:picLocks noGrp="1" noChangeAspect="1"/>
+          </p:cNvPicPr>
+          <p:nvPr>
+            <p:ph idx="1"/>
+          </p:nvPr>
+        </p:nvPicPr>
+        <p:blipFill>
+          <a:blip r:embed="rId2"/>
+          <a:stretch>
+            <a:fillRect/>
+          </a:stretch>
+        </p:blipFill>
+        <p:spPr>
+          <a:xfrm>
+            <a:off x="838200" y="1811804"/>
+            <a:ext cx="5221778" cy="2729927"/>
+          </a:xfrm>
+        </p:spPr>
+      </p:pic>
+      <p:pic>
+        <p:nvPicPr>
+          <p:cNvPr id="7" name="图片 6">
+            <a:extLst>
+              <a:ext uri="{FF2B5EF4-FFF2-40B4-BE49-F238E27FC236}">
+                <a16:creationId xmlns:a16="http://schemas.microsoft.com/office/drawing/2014/main" id="{18EB2695-ACE0-8B34-15E4-321F46A5CF99}"/>
+              </a:ext>
+            </a:extLst>
+          </p:cNvPr>
+          <p:cNvPicPr>
+            <a:picLocks noChangeAspect="1"/>
+          </p:cNvPicPr>
+          <p:nvPr/>
+        </p:nvPicPr>
+        <p:blipFill>
+          <a:blip r:embed="rId3"/>
+          <a:stretch>
+            <a:fillRect/>
+          </a:stretch>
+        </p:blipFill>
+        <p:spPr>
+          <a:xfrm>
+            <a:off x="6273534" y="1811804"/>
+            <a:ext cx="5531924" cy="745116"/>
+          </a:xfrm>
+          <a:prstGeom prst="rect">
+            <a:avLst/>
+          </a:prstGeom>
+        </p:spPr>
+      </p:pic>
+      <p:pic>
+        <p:nvPicPr>
+          <p:cNvPr id="9" name="图片 8">
+            <a:extLst>
+              <a:ext uri="{FF2B5EF4-FFF2-40B4-BE49-F238E27FC236}">
+                <a16:creationId xmlns:a16="http://schemas.microsoft.com/office/drawing/2014/main" id="{11E520E9-146C-FCC8-C70C-7F1DB26DF2B9}"/>
+              </a:ext>
+            </a:extLst>
+          </p:cNvPr>
+          <p:cNvPicPr>
+            <a:picLocks noChangeAspect="1"/>
+          </p:cNvPicPr>
+          <p:nvPr/>
+        </p:nvPicPr>
+        <p:blipFill>
+          <a:blip r:embed="rId4"/>
+          <a:stretch>
+            <a:fillRect/>
+          </a:stretch>
+        </p:blipFill>
+        <p:spPr>
+          <a:xfrm>
+            <a:off x="6268306" y="2755549"/>
+            <a:ext cx="5526696" cy="2230960"/>
+          </a:xfrm>
+          <a:prstGeom prst="rect">
+            <a:avLst/>
+          </a:prstGeom>
+        </p:spPr>
+      </p:pic>
+    </p:spTree>
+    <p:extLst>
+      <p:ext uri="{BB962C8B-B14F-4D97-AF65-F5344CB8AC3E}">
+        <p14:creationId xmlns:p14="http://schemas.microsoft.com/office/powerpoint/2010/main" val="1693489172"/>
+      </p:ext>
+    </p:extLst>
+  </p:cSld>
+  <p:clrMapOvr>
+    <a:masterClrMapping/>
+  </p:clrMapOvr>
+</p:sld>
+</file>
+
+<file path=ppt/slides/slide9.xml><?xml version="1.0" encoding="utf-8"?>
+<p:sld xmlns:a="http://schemas.openxmlformats.org/drawingml/2006/main" xmlns:r="http://schemas.openxmlformats.org/officeDocument/2006/relationships" xmlns:p="http://schemas.openxmlformats.org/presentationml/2006/main">
+  <p:cSld>
+    <p:spTree>
+      <p:nvGrpSpPr>
+        <p:cNvPr id="1" name=""/>
+        <p:cNvGrpSpPr/>
+        <p:nvPr/>
+      </p:nvGrpSpPr>
+      <p:grpSpPr>
+        <a:xfrm>
+          <a:off x="0" y="0"/>
+          <a:ext cx="0" cy="0"/>
+          <a:chOff x="0" y="0"/>
+          <a:chExt cx="0" cy="0"/>
+        </a:xfrm>
+      </p:grpSpPr>
+      <p:sp>
+        <p:nvSpPr>
+          <p:cNvPr id="2" name="标题 1">
+            <a:extLst>
+              <a:ext uri="{FF2B5EF4-FFF2-40B4-BE49-F238E27FC236}">
+                <a16:creationId xmlns:a16="http://schemas.microsoft.com/office/drawing/2014/main" id="{674ADA6C-1EDD-9440-6A62-41316814A1B4}"/>
+              </a:ext>
+            </a:extLst>
+          </p:cNvPr>
+          <p:cNvSpPr>
+            <a:spLocks noGrp="1"/>
+          </p:cNvSpPr>
+          <p:nvPr>
+            <p:ph type="title"/>
+          </p:nvPr>
+        </p:nvSpPr>
+        <p:spPr/>
+        <p:txBody>
+          <a:bodyPr/>
+          <a:lstStyle/>
+          <a:p>
+            <a:endParaRPr lang="zh-CN" altLang="en-US"/>
+          </a:p>
+        </p:txBody>
+      </p:sp>
+      <p:sp>
+        <p:nvSpPr>
+          <p:cNvPr id="3" name="内容占位符 2">
+            <a:extLst>
+              <a:ext uri="{FF2B5EF4-FFF2-40B4-BE49-F238E27FC236}">
+                <a16:creationId xmlns:a16="http://schemas.microsoft.com/office/drawing/2014/main" id="{5F73ED78-D6FB-D95A-947B-CEF9D1F1CC84}"/>
+              </a:ext>
+            </a:extLst>
+          </p:cNvPr>
+          <p:cNvSpPr>
+            <a:spLocks noGrp="1"/>
+          </p:cNvSpPr>
+          <p:nvPr>
+            <p:ph idx="1"/>
+          </p:nvPr>
+        </p:nvSpPr>
+        <p:spPr/>
+        <p:txBody>
+          <a:bodyPr/>
+          <a:lstStyle/>
+          <a:p>
+            <a:r>
+              <a:rPr lang="en-US" altLang="zh-CN" dirty="0"/>
+              <a:t>123</a:t>
+            </a:r>
+            <a:endParaRPr lang="zh-CN" altLang="en-US" dirty="0"/>
+          </a:p>
+        </p:txBody>
+      </p:sp>
+      <p:pic>
+        <p:nvPicPr>
+          <p:cNvPr id="5" name="图片 4">
+            <a:extLst>
+              <a:ext uri="{FF2B5EF4-FFF2-40B4-BE49-F238E27FC236}">
+                <a16:creationId xmlns:a16="http://schemas.microsoft.com/office/drawing/2014/main" id="{2D6B61F8-D261-E0F9-0784-317B51939C1C}"/>
+              </a:ext>
+            </a:extLst>
+          </p:cNvPr>
+          <p:cNvPicPr>
+            <a:picLocks noChangeAspect="1"/>
+          </p:cNvPicPr>
+          <p:nvPr/>
+        </p:nvPicPr>
+        <p:blipFill>
+          <a:blip r:embed="rId2"/>
+          <a:stretch>
+            <a:fillRect/>
+          </a:stretch>
+        </p:blipFill>
+        <p:spPr>
+          <a:xfrm>
+            <a:off x="943495" y="2464761"/>
+            <a:ext cx="6930044" cy="3315055"/>
+          </a:xfrm>
+          <a:prstGeom prst="rect">
+            <a:avLst/>
+          </a:prstGeom>
+        </p:spPr>
+      </p:pic>
+    </p:spTree>
+    <p:extLst>
+      <p:ext uri="{BB962C8B-B14F-4D97-AF65-F5344CB8AC3E}">
+        <p14:creationId xmlns:p14="http://schemas.microsoft.com/office/powerpoint/2010/main" val="4203371485"/>
       </p:ext>
     </p:extLst>
   </p:cSld>
